--- a/Notes and Slides/CIS399Wk2Day3b-Menu+Settings.pptx
+++ b/Notes and Slides/CIS399Wk2Day3b-Menu+Settings.pptx
@@ -4657,7 +4657,7 @@
           <a:graphicData uri="http://schemas.openxmlformats.org/presentationml/2006/ole">
             <mc:AlternateContent xmlns:mc="http://schemas.openxmlformats.org/markup-compatibility/2006">
               <mc:Choice xmlns:v="urn:schemas-microsoft-com:vml" Requires="v">
-                <p:oleObj spid="_x0000_s6167" name="Document" r:id="rId3" imgW="6864202" imgH="2647457" progId="Word.Document.12">
+                <p:oleObj spid="_x0000_s6169" name="Document" r:id="rId3" imgW="6864202" imgH="2647457" progId="Word.Document.12">
                   <p:embed/>
                 </p:oleObj>
               </mc:Choice>
@@ -4986,7 +4986,7 @@
           <a:graphicData uri="http://schemas.openxmlformats.org/presentationml/2006/ole">
             <mc:AlternateContent xmlns:mc="http://schemas.openxmlformats.org/markup-compatibility/2006">
               <mc:Choice xmlns:v="urn:schemas-microsoft-com:vml" Requires="v">
-                <p:oleObj spid="_x0000_s7191" name="Document" r:id="rId3" imgW="6864119" imgH="1810262" progId="Word.Document.12">
+                <p:oleObj spid="_x0000_s7193" name="Document" r:id="rId3" imgW="6864119" imgH="1810262" progId="Word.Document.12">
                   <p:embed/>
                 </p:oleObj>
               </mc:Choice>
@@ -5192,7 +5192,7 @@
           <a:graphicData uri="http://schemas.openxmlformats.org/presentationml/2006/ole">
             <mc:AlternateContent xmlns:mc="http://schemas.openxmlformats.org/markup-compatibility/2006">
               <mc:Choice xmlns:v="urn:schemas-microsoft-com:vml" Requires="v">
-                <p:oleObj spid="_x0000_s8215" name="Document" r:id="rId3" imgW="6864119" imgH="3630264" progId="Word.Document.12">
+                <p:oleObj spid="_x0000_s8217" name="Document" r:id="rId3" imgW="6864119" imgH="3630264" progId="Word.Document.12">
                   <p:embed/>
                 </p:oleObj>
               </mc:Choice>
@@ -5586,7 +5586,7 @@
           <a:graphicData uri="http://schemas.openxmlformats.org/presentationml/2006/ole">
             <mc:AlternateContent xmlns:mc="http://schemas.openxmlformats.org/markup-compatibility/2006">
               <mc:Choice xmlns:v="urn:schemas-microsoft-com:vml" Requires="v">
-                <p:oleObj spid="_x0000_s9239" name="Document" r:id="rId3" imgW="6864119" imgH="2499301" progId="Word.Document.12">
+                <p:oleObj spid="_x0000_s9241" name="Document" r:id="rId3" imgW="6864119" imgH="2499301" progId="Word.Document.12">
                   <p:embed/>
                 </p:oleObj>
               </mc:Choice>
@@ -5871,7 +5871,7 @@
           <a:graphicData uri="http://schemas.openxmlformats.org/presentationml/2006/ole">
             <mc:AlternateContent xmlns:mc="http://schemas.openxmlformats.org/markup-compatibility/2006">
               <mc:Choice xmlns:v="urn:schemas-microsoft-com:vml" Requires="v">
-                <p:oleObj spid="_x0000_s10263" name="Document" r:id="rId3" imgW="7359921" imgH="4441238" progId="Word.Document.12">
+                <p:oleObj spid="_x0000_s10265" name="Document" r:id="rId3" imgW="7359921" imgH="4441238" progId="Word.Document.12">
                   <p:embed/>
                 </p:oleObj>
               </mc:Choice>
@@ -7826,11 +7826,11 @@
               <a:t>Open </a:t>
             </a:r>
             <a:r>
-              <a:rPr lang="en-US" smtClean="0"/>
+              <a:rPr lang="en-US" dirty="0" smtClean="0"/>
               <a:t>the </a:t>
             </a:r>
             <a:r>
-              <a:rPr lang="en-US" smtClean="0"/>
+              <a:rPr lang="en-US" dirty="0" smtClean="0"/>
               <a:t>ch08_ex1_TipCalculator </a:t>
             </a:r>
             <a:r>
@@ -9702,7 +9702,7 @@
           <a:graphicData uri="http://schemas.openxmlformats.org/presentationml/2006/ole">
             <mc:AlternateContent xmlns:mc="http://schemas.openxmlformats.org/markup-compatibility/2006">
               <mc:Choice xmlns:v="urn:schemas-microsoft-com:vml" Requires="v">
-                <p:oleObj spid="_x0000_s11285" name="Document" r:id="rId4" imgW="6864202" imgH="5210639" progId="Word.Document.12">
+                <p:oleObj spid="_x0000_s11287" name="Document" r:id="rId4" imgW="6864202" imgH="5210639" progId="Word.Document.12">
                   <p:embed/>
                 </p:oleObj>
               </mc:Choice>
@@ -12461,7 +12461,7 @@
         <p:spPr>
           <a:xfrm>
             <a:off x="876300" y="420688"/>
-            <a:ext cx="7138147" cy="4656921"/>
+            <a:ext cx="7773714" cy="5244388"/>
           </a:xfrm>
           <a:prstGeom prst="rect">
             <a:avLst/>
@@ -16035,7 +16035,7 @@
           <a:graphicData uri="http://schemas.openxmlformats.org/presentationml/2006/ole">
             <mc:AlternateContent xmlns:mc="http://schemas.openxmlformats.org/markup-compatibility/2006">
               <mc:Choice xmlns:v="urn:schemas-microsoft-com:vml" Requires="v">
-                <p:oleObj spid="_x0000_s1070" name="Document" r:id="rId3" imgW="6965814" imgH="779723" progId="Word.Document.12">
+                <p:oleObj spid="_x0000_s1074" name="Document" r:id="rId3" imgW="6965814" imgH="779723" progId="Word.Document.12">
                   <p:embed/>
                 </p:oleObj>
               </mc:Choice>
@@ -16122,7 +16122,7 @@
           <a:graphicData uri="http://schemas.openxmlformats.org/presentationml/2006/ole">
             <mc:AlternateContent xmlns:mc="http://schemas.openxmlformats.org/markup-compatibility/2006">
               <mc:Choice xmlns:v="urn:schemas-microsoft-com:vml" Requires="v">
-                <p:oleObj spid="_x0000_s1071" name="Document" r:id="rId6" imgW="6965814" imgH="1055958" progId="Word.Document.12">
+                <p:oleObj spid="_x0000_s1075" name="Document" r:id="rId6" imgW="6965814" imgH="1055958" progId="Word.Document.12">
                   <p:embed/>
                 </p:oleObj>
               </mc:Choice>
@@ -16358,7 +16358,7 @@
           <a:graphicData uri="http://schemas.openxmlformats.org/presentationml/2006/ole">
             <mc:AlternateContent xmlns:mc="http://schemas.openxmlformats.org/markup-compatibility/2006">
               <mc:Choice xmlns:v="urn:schemas-microsoft-com:vml" Requires="v">
-                <p:oleObj spid="_x0000_s2073" name="Document" r:id="rId3" imgW="7349921" imgH="1146715" progId="Word.Document.12">
+                <p:oleObj spid="_x0000_s2075" name="Document" r:id="rId3" imgW="7349921" imgH="1146715" progId="Word.Document.12">
                   <p:embed/>
                 </p:oleObj>
               </mc:Choice>
@@ -16716,7 +16716,7 @@
           <a:graphicData uri="http://schemas.openxmlformats.org/presentationml/2006/ole">
             <mc:AlternateContent xmlns:mc="http://schemas.openxmlformats.org/markup-compatibility/2006">
               <mc:Choice xmlns:v="urn:schemas-microsoft-com:vml" Requires="v">
-                <p:oleObj spid="_x0000_s3098" name="Document" r:id="rId4" imgW="6864202" imgH="3644710" progId="Word.Document.12">
+                <p:oleObj spid="_x0000_s3100" name="Document" r:id="rId4" imgW="6864202" imgH="3644710" progId="Word.Document.12">
                   <p:embed/>
                 </p:oleObj>
               </mc:Choice>
